--- a/Presentation1.pptx
+++ b/Presentation1.pptx
@@ -110,7 +110,89 @@
       </a:defRPr>
     </a:lvl9pPr>
   </p:defaultTextStyle>
+  <p:extLst>
+    <p:ext uri="{EFAFB233-063F-42B5-8137-9DF3F51BA10A}">
+      <p15:sldGuideLst xmlns:p15="http://schemas.microsoft.com/office/powerpoint/2012/main"/>
+    </p:ext>
+  </p:extLst>
 </p:presentation>
+</file>
+
+<file path=ppt/revisionInfo.xml><?xml version="1.0" encoding="utf-8"?>
+<p1510:revInfo xmlns:a="http://schemas.openxmlformats.org/drawingml/2006/main" xmlns:r="http://schemas.openxmlformats.org/officeDocument/2006/relationships" xmlns:p1510="http://schemas.microsoft.com/office/powerpoint/2015/10/main">
+  <p1510:revLst>
+    <p1510:client id="{9A276951-2756-4AF2-9FA2-AA882F629155}" v="4" dt="2020-05-26T00:54:51.425"/>
+  </p1510:revLst>
+</p1510:revInfo>
+</file>
+
+<file path=ppt/changesInfos/changesInfo1.xml><?xml version="1.0" encoding="utf-8"?>
+<pc:chgInfo xmlns:a="http://schemas.openxmlformats.org/drawingml/2006/main" xmlns:r="http://schemas.openxmlformats.org/officeDocument/2006/relationships" xmlns:ac="http://schemas.microsoft.com/office/drawing/2013/main/command" xmlns:pc="http://schemas.microsoft.com/office/powerpoint/2013/main/command">
+  <pc:docChgLst>
+    <pc:chgData name="Sam Min" userId="2c486e0831a7b967" providerId="LiveId" clId="{9A276951-2756-4AF2-9FA2-AA882F629155}"/>
+    <pc:docChg chg="modSld">
+      <pc:chgData name="Sam Min" userId="2c486e0831a7b967" providerId="LiveId" clId="{9A276951-2756-4AF2-9FA2-AA882F629155}" dt="2020-05-26T00:54:51.424" v="10" actId="164"/>
+      <pc:docMkLst>
+        <pc:docMk/>
+      </pc:docMkLst>
+      <pc:sldChg chg="addSp delSp modSp mod">
+        <pc:chgData name="Sam Min" userId="2c486e0831a7b967" providerId="LiveId" clId="{9A276951-2756-4AF2-9FA2-AA882F629155}" dt="2020-05-26T00:54:51.424" v="10" actId="164"/>
+        <pc:sldMkLst>
+          <pc:docMk/>
+          <pc:sldMk cId="2740891306" sldId="258"/>
+        </pc:sldMkLst>
+        <pc:spChg chg="add mod ord topLvl">
+          <ac:chgData name="Sam Min" userId="2c486e0831a7b967" providerId="LiveId" clId="{9A276951-2756-4AF2-9FA2-AA882F629155}" dt="2020-05-26T00:54:51.424" v="10" actId="164"/>
+          <ac:spMkLst>
+            <pc:docMk/>
+            <pc:sldMk cId="2740891306" sldId="258"/>
+            <ac:spMk id="2" creationId="{CA6EAB3D-BC67-44ED-AE68-3424FCD37866}"/>
+          </ac:spMkLst>
+        </pc:spChg>
+        <pc:grpChg chg="add del mod">
+          <ac:chgData name="Sam Min" userId="2c486e0831a7b967" providerId="LiveId" clId="{9A276951-2756-4AF2-9FA2-AA882F629155}" dt="2020-05-26T00:54:46.414" v="8" actId="165"/>
+          <ac:grpSpMkLst>
+            <pc:docMk/>
+            <pc:sldMk cId="2740891306" sldId="258"/>
+            <ac:grpSpMk id="3" creationId="{8EDDC0D2-7C93-40DF-862E-7335CB92EC89}"/>
+          </ac:grpSpMkLst>
+        </pc:grpChg>
+        <pc:grpChg chg="add mod">
+          <ac:chgData name="Sam Min" userId="2c486e0831a7b967" providerId="LiveId" clId="{9A276951-2756-4AF2-9FA2-AA882F629155}" dt="2020-05-26T00:54:51.424" v="10" actId="164"/>
+          <ac:grpSpMkLst>
+            <pc:docMk/>
+            <pc:sldMk cId="2740891306" sldId="258"/>
+            <ac:grpSpMk id="4" creationId="{CCC2333D-1564-4CCA-8E0A-80FF44E9D1D7}"/>
+          </ac:grpSpMkLst>
+        </pc:grpChg>
+        <pc:grpChg chg="mod topLvl">
+          <ac:chgData name="Sam Min" userId="2c486e0831a7b967" providerId="LiveId" clId="{9A276951-2756-4AF2-9FA2-AA882F629155}" dt="2020-05-26T00:54:51.424" v="10" actId="164"/>
+          <ac:grpSpMkLst>
+            <pc:docMk/>
+            <pc:sldMk cId="2740891306" sldId="258"/>
+            <ac:grpSpMk id="7" creationId="{B8D52D76-ACC4-4096-99AD-F23B96A49BF6}"/>
+          </ac:grpSpMkLst>
+        </pc:grpChg>
+        <pc:picChg chg="mod">
+          <ac:chgData name="Sam Min" userId="2c486e0831a7b967" providerId="LiveId" clId="{9A276951-2756-4AF2-9FA2-AA882F629155}" dt="2020-05-26T00:54:46.414" v="8" actId="165"/>
+          <ac:picMkLst>
+            <pc:docMk/>
+            <pc:sldMk cId="2740891306" sldId="258"/>
+            <ac:picMk id="5" creationId="{AD639368-F130-47EF-BD70-3D8B8593DD9E}"/>
+          </ac:picMkLst>
+        </pc:picChg>
+        <pc:picChg chg="mod">
+          <ac:chgData name="Sam Min" userId="2c486e0831a7b967" providerId="LiveId" clId="{9A276951-2756-4AF2-9FA2-AA882F629155}" dt="2020-05-26T00:54:46.414" v="8" actId="165"/>
+          <ac:picMkLst>
+            <pc:docMk/>
+            <pc:sldMk cId="2740891306" sldId="258"/>
+            <ac:picMk id="6" creationId="{B0A478C5-8AF3-4BEF-92E4-1498683184C7}"/>
+          </ac:picMkLst>
+        </pc:picChg>
+      </pc:sldChg>
+    </pc:docChg>
+  </pc:docChgLst>
+</pc:chgInfo>
 </file>
 
 <file path=ppt/slideLayouts/slideLayout1.xml><?xml version="1.0" encoding="utf-8"?>
@@ -260,7 +342,7 @@
           <a:p>
             <a:fld id="{13308F32-D304-4406-82EB-22B037FE4214}" type="datetimeFigureOut">
               <a:rPr lang="en-US" smtClean="0"/>
-              <a:t>5/22/2020</a:t>
+              <a:t>5/25/2020</a:t>
             </a:fld>
             <a:endParaRPr lang="en-US"/>
           </a:p>
@@ -458,7 +540,7 @@
           <a:p>
             <a:fld id="{13308F32-D304-4406-82EB-22B037FE4214}" type="datetimeFigureOut">
               <a:rPr lang="en-US" smtClean="0"/>
-              <a:t>5/22/2020</a:t>
+              <a:t>5/25/2020</a:t>
             </a:fld>
             <a:endParaRPr lang="en-US"/>
           </a:p>
@@ -666,7 +748,7 @@
           <a:p>
             <a:fld id="{13308F32-D304-4406-82EB-22B037FE4214}" type="datetimeFigureOut">
               <a:rPr lang="en-US" smtClean="0"/>
-              <a:t>5/22/2020</a:t>
+              <a:t>5/25/2020</a:t>
             </a:fld>
             <a:endParaRPr lang="en-US"/>
           </a:p>
@@ -864,7 +946,7 @@
           <a:p>
             <a:fld id="{13308F32-D304-4406-82EB-22B037FE4214}" type="datetimeFigureOut">
               <a:rPr lang="en-US" smtClean="0"/>
-              <a:t>5/22/2020</a:t>
+              <a:t>5/25/2020</a:t>
             </a:fld>
             <a:endParaRPr lang="en-US"/>
           </a:p>
@@ -1139,7 +1221,7 @@
           <a:p>
             <a:fld id="{13308F32-D304-4406-82EB-22B037FE4214}" type="datetimeFigureOut">
               <a:rPr lang="en-US" smtClean="0"/>
-              <a:t>5/22/2020</a:t>
+              <a:t>5/25/2020</a:t>
             </a:fld>
             <a:endParaRPr lang="en-US"/>
           </a:p>
@@ -1404,7 +1486,7 @@
           <a:p>
             <a:fld id="{13308F32-D304-4406-82EB-22B037FE4214}" type="datetimeFigureOut">
               <a:rPr lang="en-US" smtClean="0"/>
-              <a:t>5/22/2020</a:t>
+              <a:t>5/25/2020</a:t>
             </a:fld>
             <a:endParaRPr lang="en-US"/>
           </a:p>
@@ -1816,7 +1898,7 @@
           <a:p>
             <a:fld id="{13308F32-D304-4406-82EB-22B037FE4214}" type="datetimeFigureOut">
               <a:rPr lang="en-US" smtClean="0"/>
-              <a:t>5/22/2020</a:t>
+              <a:t>5/25/2020</a:t>
             </a:fld>
             <a:endParaRPr lang="en-US"/>
           </a:p>
@@ -1957,7 +2039,7 @@
           <a:p>
             <a:fld id="{13308F32-D304-4406-82EB-22B037FE4214}" type="datetimeFigureOut">
               <a:rPr lang="en-US" smtClean="0"/>
-              <a:t>5/22/2020</a:t>
+              <a:t>5/25/2020</a:t>
             </a:fld>
             <a:endParaRPr lang="en-US"/>
           </a:p>
@@ -2070,7 +2152,7 @@
           <a:p>
             <a:fld id="{13308F32-D304-4406-82EB-22B037FE4214}" type="datetimeFigureOut">
               <a:rPr lang="en-US" smtClean="0"/>
-              <a:t>5/22/2020</a:t>
+              <a:t>5/25/2020</a:t>
             </a:fld>
             <a:endParaRPr lang="en-US"/>
           </a:p>
@@ -2381,7 +2463,7 @@
           <a:p>
             <a:fld id="{13308F32-D304-4406-82EB-22B037FE4214}" type="datetimeFigureOut">
               <a:rPr lang="en-US" smtClean="0"/>
-              <a:t>5/22/2020</a:t>
+              <a:t>5/25/2020</a:t>
             </a:fld>
             <a:endParaRPr lang="en-US"/>
           </a:p>
@@ -2669,7 +2751,7 @@
           <a:p>
             <a:fld id="{13308F32-D304-4406-82EB-22B037FE4214}" type="datetimeFigureOut">
               <a:rPr lang="en-US" smtClean="0"/>
-              <a:t>5/22/2020</a:t>
+              <a:t>5/25/2020</a:t>
             </a:fld>
             <a:endParaRPr lang="en-US"/>
           </a:p>
@@ -2910,7 +2992,7 @@
           <a:p>
             <a:fld id="{13308F32-D304-4406-82EB-22B037FE4214}" type="datetimeFigureOut">
               <a:rPr lang="en-US" smtClean="0"/>
-              <a:t>5/22/2020</a:t>
+              <a:t>5/25/2020</a:t>
             </a:fld>
             <a:endParaRPr lang="en-US"/>
           </a:p>
@@ -3627,10 +3709,10 @@
       </p:grpSpPr>
       <p:grpSp>
         <p:nvGrpSpPr>
-          <p:cNvPr id="7" name="Group 6">
-            <a:extLst>
-              <a:ext uri="{FF2B5EF4-FFF2-40B4-BE49-F238E27FC236}">
-                <a16:creationId xmlns:a16="http://schemas.microsoft.com/office/drawing/2014/main" id="{B8D52D76-ACC4-4096-99AD-F23B96A49BF6}"/>
+          <p:cNvPr id="4" name="Group 3">
+            <a:extLst>
+              <a:ext uri="{FF2B5EF4-FFF2-40B4-BE49-F238E27FC236}">
+                <a16:creationId xmlns:a16="http://schemas.microsoft.com/office/drawing/2014/main" id="{CCC2333D-1564-4CCA-8E0A-80FF44E9D1D7}"/>
               </a:ext>
             </a:extLst>
           </p:cNvPr>
@@ -3639,84 +3721,157 @@
         </p:nvGrpSpPr>
         <p:grpSpPr>
           <a:xfrm>
-            <a:off x="3964701" y="660401"/>
-            <a:ext cx="4771742" cy="5681132"/>
-            <a:chOff x="3469197" y="0"/>
-            <a:chExt cx="5881121" cy="7001934"/>
+            <a:off x="3505200" y="569388"/>
+            <a:ext cx="5028056" cy="5812040"/>
+            <a:chOff x="3505200" y="569388"/>
+            <a:chExt cx="5028056" cy="5812040"/>
           </a:xfrm>
         </p:grpSpPr>
-        <p:pic>
-          <p:nvPicPr>
-            <p:cNvPr id="5" name="Picture 4" descr="A picture containing indoor, black, table, sitting&#10;&#10;Description automatically generated">
+        <p:sp>
+          <p:nvSpPr>
+            <p:cNvPr id="2" name="Rectangle 1">
               <a:extLst>
                 <a:ext uri="{FF2B5EF4-FFF2-40B4-BE49-F238E27FC236}">
-                  <a16:creationId xmlns:a16="http://schemas.microsoft.com/office/drawing/2014/main" id="{AD639368-F130-47EF-BD70-3D8B8593DD9E}"/>
+                  <a16:creationId xmlns:a16="http://schemas.microsoft.com/office/drawing/2014/main" id="{CA6EAB3D-BC67-44ED-AE68-3424FCD37866}"/>
                 </a:ext>
               </a:extLst>
             </p:cNvPr>
-            <p:cNvPicPr>
-              <a:picLocks noChangeAspect="1"/>
-            </p:cNvPicPr>
+            <p:cNvSpPr/>
             <p:nvPr/>
-          </p:nvPicPr>
-          <p:blipFill>
-            <a:blip r:embed="rId2">
-              <a:extLst>
-                <a:ext uri="{28A0092B-C50C-407E-A947-70E740481C1C}">
-                  <a14:useLocalDpi xmlns:a14="http://schemas.microsoft.com/office/drawing/2010/main" val="0"/>
-                </a:ext>
-              </a:extLst>
-            </a:blip>
-            <a:stretch>
-              <a:fillRect/>
-            </a:stretch>
-          </p:blipFill>
+          </p:nvSpPr>
           <p:spPr>
             <a:xfrm>
-              <a:off x="3469197" y="143934"/>
-              <a:ext cx="5253606" cy="6858000"/>
+              <a:off x="3505200" y="569388"/>
+              <a:ext cx="5028056" cy="5812040"/>
             </a:xfrm>
             <a:prstGeom prst="rect">
               <a:avLst/>
             </a:prstGeom>
+            <a:solidFill>
+              <a:schemeClr val="bg1"/>
+            </a:solidFill>
+            <a:ln>
+              <a:noFill/>
+            </a:ln>
           </p:spPr>
-        </p:pic>
-        <p:pic>
-          <p:nvPicPr>
-            <p:cNvPr id="6" name="Picture 5" descr="A picture containing drawing&#10;&#10;Description automatically generated">
+          <p:style>
+            <a:lnRef idx="2">
+              <a:schemeClr val="accent1">
+                <a:shade val="50000"/>
+              </a:schemeClr>
+            </a:lnRef>
+            <a:fillRef idx="1">
+              <a:schemeClr val="accent1"/>
+            </a:fillRef>
+            <a:effectRef idx="0">
+              <a:schemeClr val="accent1"/>
+            </a:effectRef>
+            <a:fontRef idx="minor">
+              <a:schemeClr val="lt1"/>
+            </a:fontRef>
+          </p:style>
+          <p:txBody>
+            <a:bodyPr rtlCol="0" anchor="ctr"/>
+            <a:lstStyle/>
+            <a:p>
+              <a:pPr algn="ctr"/>
+              <a:endParaRPr lang="en-US"/>
+            </a:p>
+          </p:txBody>
+        </p:sp>
+        <p:grpSp>
+          <p:nvGrpSpPr>
+            <p:cNvPr id="7" name="Group 6">
               <a:extLst>
                 <a:ext uri="{FF2B5EF4-FFF2-40B4-BE49-F238E27FC236}">
-                  <a16:creationId xmlns:a16="http://schemas.microsoft.com/office/drawing/2014/main" id="{B0A478C5-8AF3-4BEF-92E4-1498683184C7}"/>
+                  <a16:creationId xmlns:a16="http://schemas.microsoft.com/office/drawing/2014/main" id="{B8D52D76-ACC4-4096-99AD-F23B96A49BF6}"/>
                 </a:ext>
               </a:extLst>
             </p:cNvPr>
-            <p:cNvPicPr>
-              <a:picLocks noChangeAspect="1"/>
-            </p:cNvPicPr>
+            <p:cNvGrpSpPr/>
             <p:nvPr/>
-          </p:nvPicPr>
-          <p:blipFill>
-            <a:blip r:embed="rId3">
-              <a:extLst>
-                <a:ext uri="{28A0092B-C50C-407E-A947-70E740481C1C}">
-                  <a14:useLocalDpi xmlns:a14="http://schemas.microsoft.com/office/drawing/2010/main" val="0"/>
-                </a:ext>
-              </a:extLst>
-            </a:blip>
-            <a:stretch>
-              <a:fillRect/>
-            </a:stretch>
-          </p:blipFill>
-          <p:spPr>
+          </p:nvGrpSpPr>
+          <p:grpSpPr>
             <a:xfrm>
-              <a:off x="7640260" y="0"/>
-              <a:ext cx="1710058" cy="826240"/>
+              <a:off x="4124350" y="1216907"/>
+              <a:ext cx="3807695" cy="4533359"/>
+              <a:chOff x="3469197" y="0"/>
+              <a:chExt cx="5881121" cy="7001934"/>
             </a:xfrm>
-            <a:prstGeom prst="rect">
-              <a:avLst/>
-            </a:prstGeom>
-          </p:spPr>
-        </p:pic>
+          </p:grpSpPr>
+          <p:pic>
+            <p:nvPicPr>
+              <p:cNvPr id="5" name="Picture 4" descr="A picture containing indoor, black, table, sitting&#10;&#10;Description automatically generated">
+                <a:extLst>
+                  <a:ext uri="{FF2B5EF4-FFF2-40B4-BE49-F238E27FC236}">
+                    <a16:creationId xmlns:a16="http://schemas.microsoft.com/office/drawing/2014/main" id="{AD639368-F130-47EF-BD70-3D8B8593DD9E}"/>
+                  </a:ext>
+                </a:extLst>
+              </p:cNvPr>
+              <p:cNvPicPr>
+                <a:picLocks noChangeAspect="1"/>
+              </p:cNvPicPr>
+              <p:nvPr/>
+            </p:nvPicPr>
+            <p:blipFill>
+              <a:blip r:embed="rId2">
+                <a:extLst>
+                  <a:ext uri="{28A0092B-C50C-407E-A947-70E740481C1C}">
+                    <a14:useLocalDpi xmlns:a14="http://schemas.microsoft.com/office/drawing/2010/main" val="0"/>
+                  </a:ext>
+                </a:extLst>
+              </a:blip>
+              <a:stretch>
+                <a:fillRect/>
+              </a:stretch>
+            </p:blipFill>
+            <p:spPr>
+              <a:xfrm>
+                <a:off x="3469197" y="143934"/>
+                <a:ext cx="5253606" cy="6858000"/>
+              </a:xfrm>
+              <a:prstGeom prst="rect">
+                <a:avLst/>
+              </a:prstGeom>
+            </p:spPr>
+          </p:pic>
+          <p:pic>
+            <p:nvPicPr>
+              <p:cNvPr id="6" name="Picture 5" descr="A picture containing drawing&#10;&#10;Description automatically generated">
+                <a:extLst>
+                  <a:ext uri="{FF2B5EF4-FFF2-40B4-BE49-F238E27FC236}">
+                    <a16:creationId xmlns:a16="http://schemas.microsoft.com/office/drawing/2014/main" id="{B0A478C5-8AF3-4BEF-92E4-1498683184C7}"/>
+                  </a:ext>
+                </a:extLst>
+              </p:cNvPr>
+              <p:cNvPicPr>
+                <a:picLocks noChangeAspect="1"/>
+              </p:cNvPicPr>
+              <p:nvPr/>
+            </p:nvPicPr>
+            <p:blipFill>
+              <a:blip r:embed="rId3">
+                <a:extLst>
+                  <a:ext uri="{28A0092B-C50C-407E-A947-70E740481C1C}">
+                    <a14:useLocalDpi xmlns:a14="http://schemas.microsoft.com/office/drawing/2010/main" val="0"/>
+                  </a:ext>
+                </a:extLst>
+              </a:blip>
+              <a:stretch>
+                <a:fillRect/>
+              </a:stretch>
+            </p:blipFill>
+            <p:spPr>
+              <a:xfrm>
+                <a:off x="7640260" y="0"/>
+                <a:ext cx="1710058" cy="826240"/>
+              </a:xfrm>
+              <a:prstGeom prst="rect">
+                <a:avLst/>
+              </a:prstGeom>
+            </p:spPr>
+          </p:pic>
+        </p:grpSp>
       </p:grpSp>
     </p:spTree>
     <p:extLst>

--- a/Presentation1.pptx
+++ b/Presentation1.pptx
@@ -130,19 +130,19 @@
 <pc:chgInfo xmlns:a="http://schemas.openxmlformats.org/drawingml/2006/main" xmlns:r="http://schemas.openxmlformats.org/officeDocument/2006/relationships" xmlns:ac="http://schemas.microsoft.com/office/drawing/2013/main/command" xmlns:pc="http://schemas.microsoft.com/office/powerpoint/2013/main/command">
   <pc:docChgLst>
     <pc:chgData name="Sam Min" userId="2c486e0831a7b967" providerId="LiveId" clId="{9A276951-2756-4AF2-9FA2-AA882F629155}"/>
-    <pc:docChg chg="modSld">
-      <pc:chgData name="Sam Min" userId="2c486e0831a7b967" providerId="LiveId" clId="{9A276951-2756-4AF2-9FA2-AA882F629155}" dt="2020-05-26T00:54:51.424" v="10" actId="164"/>
+    <pc:docChg chg="custSel modSld">
+      <pc:chgData name="Sam Min" userId="2c486e0831a7b967" providerId="LiveId" clId="{9A276951-2756-4AF2-9FA2-AA882F629155}" dt="2020-05-26T00:59:10.936" v="11" actId="478"/>
       <pc:docMkLst>
         <pc:docMk/>
       </pc:docMkLst>
       <pc:sldChg chg="addSp delSp modSp mod">
-        <pc:chgData name="Sam Min" userId="2c486e0831a7b967" providerId="LiveId" clId="{9A276951-2756-4AF2-9FA2-AA882F629155}" dt="2020-05-26T00:54:51.424" v="10" actId="164"/>
+        <pc:chgData name="Sam Min" userId="2c486e0831a7b967" providerId="LiveId" clId="{9A276951-2756-4AF2-9FA2-AA882F629155}" dt="2020-05-26T00:59:10.936" v="11" actId="478"/>
         <pc:sldMkLst>
           <pc:docMk/>
           <pc:sldMk cId="2740891306" sldId="258"/>
         </pc:sldMkLst>
-        <pc:spChg chg="add mod ord topLvl">
-          <ac:chgData name="Sam Min" userId="2c486e0831a7b967" providerId="LiveId" clId="{9A276951-2756-4AF2-9FA2-AA882F629155}" dt="2020-05-26T00:54:51.424" v="10" actId="164"/>
+        <pc:spChg chg="add del mod ord topLvl">
+          <ac:chgData name="Sam Min" userId="2c486e0831a7b967" providerId="LiveId" clId="{9A276951-2756-4AF2-9FA2-AA882F629155}" dt="2020-05-26T00:59:10.936" v="11" actId="478"/>
           <ac:spMkLst>
             <pc:docMk/>
             <pc:sldMk cId="2740891306" sldId="258"/>
@@ -157,8 +157,8 @@
             <ac:grpSpMk id="3" creationId="{8EDDC0D2-7C93-40DF-862E-7335CB92EC89}"/>
           </ac:grpSpMkLst>
         </pc:grpChg>
-        <pc:grpChg chg="add mod">
-          <ac:chgData name="Sam Min" userId="2c486e0831a7b967" providerId="LiveId" clId="{9A276951-2756-4AF2-9FA2-AA882F629155}" dt="2020-05-26T00:54:51.424" v="10" actId="164"/>
+        <pc:grpChg chg="add del mod">
+          <ac:chgData name="Sam Min" userId="2c486e0831a7b967" providerId="LiveId" clId="{9A276951-2756-4AF2-9FA2-AA882F629155}" dt="2020-05-26T00:59:10.936" v="11" actId="478"/>
           <ac:grpSpMkLst>
             <pc:docMk/>
             <pc:sldMk cId="2740891306" sldId="258"/>
@@ -166,7 +166,7 @@
           </ac:grpSpMkLst>
         </pc:grpChg>
         <pc:grpChg chg="mod topLvl">
-          <ac:chgData name="Sam Min" userId="2c486e0831a7b967" providerId="LiveId" clId="{9A276951-2756-4AF2-9FA2-AA882F629155}" dt="2020-05-26T00:54:51.424" v="10" actId="164"/>
+          <ac:chgData name="Sam Min" userId="2c486e0831a7b967" providerId="LiveId" clId="{9A276951-2756-4AF2-9FA2-AA882F629155}" dt="2020-05-26T00:59:10.936" v="11" actId="478"/>
           <ac:grpSpMkLst>
             <pc:docMk/>
             <pc:sldMk cId="2740891306" sldId="258"/>
@@ -3709,10 +3709,10 @@
       </p:grpSpPr>
       <p:grpSp>
         <p:nvGrpSpPr>
-          <p:cNvPr id="4" name="Group 3">
-            <a:extLst>
-              <a:ext uri="{FF2B5EF4-FFF2-40B4-BE49-F238E27FC236}">
-                <a16:creationId xmlns:a16="http://schemas.microsoft.com/office/drawing/2014/main" id="{CCC2333D-1564-4CCA-8E0A-80FF44E9D1D7}"/>
+          <p:cNvPr id="7" name="Group 6">
+            <a:extLst>
+              <a:ext uri="{FF2B5EF4-FFF2-40B4-BE49-F238E27FC236}">
+                <a16:creationId xmlns:a16="http://schemas.microsoft.com/office/drawing/2014/main" id="{B8D52D76-ACC4-4096-99AD-F23B96A49BF6}"/>
               </a:ext>
             </a:extLst>
           </p:cNvPr>
@@ -3721,157 +3721,84 @@
         </p:nvGrpSpPr>
         <p:grpSpPr>
           <a:xfrm>
-            <a:off x="3505200" y="569388"/>
-            <a:ext cx="5028056" cy="5812040"/>
-            <a:chOff x="3505200" y="569388"/>
-            <a:chExt cx="5028056" cy="5812040"/>
+            <a:off x="4124350" y="1216907"/>
+            <a:ext cx="3807695" cy="4533359"/>
+            <a:chOff x="3469197" y="0"/>
+            <a:chExt cx="5881121" cy="7001934"/>
           </a:xfrm>
         </p:grpSpPr>
-        <p:sp>
-          <p:nvSpPr>
-            <p:cNvPr id="2" name="Rectangle 1">
+        <p:pic>
+          <p:nvPicPr>
+            <p:cNvPr id="5" name="Picture 4" descr="A picture containing indoor, black, table, sitting&#10;&#10;Description automatically generated">
               <a:extLst>
                 <a:ext uri="{FF2B5EF4-FFF2-40B4-BE49-F238E27FC236}">
-                  <a16:creationId xmlns:a16="http://schemas.microsoft.com/office/drawing/2014/main" id="{CA6EAB3D-BC67-44ED-AE68-3424FCD37866}"/>
+                  <a16:creationId xmlns:a16="http://schemas.microsoft.com/office/drawing/2014/main" id="{AD639368-F130-47EF-BD70-3D8B8593DD9E}"/>
                 </a:ext>
               </a:extLst>
             </p:cNvPr>
-            <p:cNvSpPr/>
+            <p:cNvPicPr>
+              <a:picLocks noChangeAspect="1"/>
+            </p:cNvPicPr>
             <p:nvPr/>
-          </p:nvSpPr>
+          </p:nvPicPr>
+          <p:blipFill>
+            <a:blip r:embed="rId2">
+              <a:extLst>
+                <a:ext uri="{28A0092B-C50C-407E-A947-70E740481C1C}">
+                  <a14:useLocalDpi xmlns:a14="http://schemas.microsoft.com/office/drawing/2010/main" val="0"/>
+                </a:ext>
+              </a:extLst>
+            </a:blip>
+            <a:stretch>
+              <a:fillRect/>
+            </a:stretch>
+          </p:blipFill>
           <p:spPr>
             <a:xfrm>
-              <a:off x="3505200" y="569388"/>
-              <a:ext cx="5028056" cy="5812040"/>
+              <a:off x="3469197" y="143934"/>
+              <a:ext cx="5253606" cy="6858000"/>
             </a:xfrm>
             <a:prstGeom prst="rect">
               <a:avLst/>
             </a:prstGeom>
-            <a:solidFill>
-              <a:schemeClr val="bg1"/>
-            </a:solidFill>
-            <a:ln>
-              <a:noFill/>
-            </a:ln>
           </p:spPr>
-          <p:style>
-            <a:lnRef idx="2">
-              <a:schemeClr val="accent1">
-                <a:shade val="50000"/>
-              </a:schemeClr>
-            </a:lnRef>
-            <a:fillRef idx="1">
-              <a:schemeClr val="accent1"/>
-            </a:fillRef>
-            <a:effectRef idx="0">
-              <a:schemeClr val="accent1"/>
-            </a:effectRef>
-            <a:fontRef idx="minor">
-              <a:schemeClr val="lt1"/>
-            </a:fontRef>
-          </p:style>
-          <p:txBody>
-            <a:bodyPr rtlCol="0" anchor="ctr"/>
-            <a:lstStyle/>
-            <a:p>
-              <a:pPr algn="ctr"/>
-              <a:endParaRPr lang="en-US"/>
-            </a:p>
-          </p:txBody>
-        </p:sp>
-        <p:grpSp>
-          <p:nvGrpSpPr>
-            <p:cNvPr id="7" name="Group 6">
+        </p:pic>
+        <p:pic>
+          <p:nvPicPr>
+            <p:cNvPr id="6" name="Picture 5" descr="A picture containing drawing&#10;&#10;Description automatically generated">
               <a:extLst>
                 <a:ext uri="{FF2B5EF4-FFF2-40B4-BE49-F238E27FC236}">
-                  <a16:creationId xmlns:a16="http://schemas.microsoft.com/office/drawing/2014/main" id="{B8D52D76-ACC4-4096-99AD-F23B96A49BF6}"/>
+                  <a16:creationId xmlns:a16="http://schemas.microsoft.com/office/drawing/2014/main" id="{B0A478C5-8AF3-4BEF-92E4-1498683184C7}"/>
                 </a:ext>
               </a:extLst>
             </p:cNvPr>
-            <p:cNvGrpSpPr/>
+            <p:cNvPicPr>
+              <a:picLocks noChangeAspect="1"/>
+            </p:cNvPicPr>
             <p:nvPr/>
-          </p:nvGrpSpPr>
-          <p:grpSpPr>
+          </p:nvPicPr>
+          <p:blipFill>
+            <a:blip r:embed="rId3">
+              <a:extLst>
+                <a:ext uri="{28A0092B-C50C-407E-A947-70E740481C1C}">
+                  <a14:useLocalDpi xmlns:a14="http://schemas.microsoft.com/office/drawing/2010/main" val="0"/>
+                </a:ext>
+              </a:extLst>
+            </a:blip>
+            <a:stretch>
+              <a:fillRect/>
+            </a:stretch>
+          </p:blipFill>
+          <p:spPr>
             <a:xfrm>
-              <a:off x="4124350" y="1216907"/>
-              <a:ext cx="3807695" cy="4533359"/>
-              <a:chOff x="3469197" y="0"/>
-              <a:chExt cx="5881121" cy="7001934"/>
+              <a:off x="7640260" y="0"/>
+              <a:ext cx="1710058" cy="826240"/>
             </a:xfrm>
-          </p:grpSpPr>
-          <p:pic>
-            <p:nvPicPr>
-              <p:cNvPr id="5" name="Picture 4" descr="A picture containing indoor, black, table, sitting&#10;&#10;Description automatically generated">
-                <a:extLst>
-                  <a:ext uri="{FF2B5EF4-FFF2-40B4-BE49-F238E27FC236}">
-                    <a16:creationId xmlns:a16="http://schemas.microsoft.com/office/drawing/2014/main" id="{AD639368-F130-47EF-BD70-3D8B8593DD9E}"/>
-                  </a:ext>
-                </a:extLst>
-              </p:cNvPr>
-              <p:cNvPicPr>
-                <a:picLocks noChangeAspect="1"/>
-              </p:cNvPicPr>
-              <p:nvPr/>
-            </p:nvPicPr>
-            <p:blipFill>
-              <a:blip r:embed="rId2">
-                <a:extLst>
-                  <a:ext uri="{28A0092B-C50C-407E-A947-70E740481C1C}">
-                    <a14:useLocalDpi xmlns:a14="http://schemas.microsoft.com/office/drawing/2010/main" val="0"/>
-                  </a:ext>
-                </a:extLst>
-              </a:blip>
-              <a:stretch>
-                <a:fillRect/>
-              </a:stretch>
-            </p:blipFill>
-            <p:spPr>
-              <a:xfrm>
-                <a:off x="3469197" y="143934"/>
-                <a:ext cx="5253606" cy="6858000"/>
-              </a:xfrm>
-              <a:prstGeom prst="rect">
-                <a:avLst/>
-              </a:prstGeom>
-            </p:spPr>
-          </p:pic>
-          <p:pic>
-            <p:nvPicPr>
-              <p:cNvPr id="6" name="Picture 5" descr="A picture containing drawing&#10;&#10;Description automatically generated">
-                <a:extLst>
-                  <a:ext uri="{FF2B5EF4-FFF2-40B4-BE49-F238E27FC236}">
-                    <a16:creationId xmlns:a16="http://schemas.microsoft.com/office/drawing/2014/main" id="{B0A478C5-8AF3-4BEF-92E4-1498683184C7}"/>
-                  </a:ext>
-                </a:extLst>
-              </p:cNvPr>
-              <p:cNvPicPr>
-                <a:picLocks noChangeAspect="1"/>
-              </p:cNvPicPr>
-              <p:nvPr/>
-            </p:nvPicPr>
-            <p:blipFill>
-              <a:blip r:embed="rId3">
-                <a:extLst>
-                  <a:ext uri="{28A0092B-C50C-407E-A947-70E740481C1C}">
-                    <a14:useLocalDpi xmlns:a14="http://schemas.microsoft.com/office/drawing/2010/main" val="0"/>
-                  </a:ext>
-                </a:extLst>
-              </a:blip>
-              <a:stretch>
-                <a:fillRect/>
-              </a:stretch>
-            </p:blipFill>
-            <p:spPr>
-              <a:xfrm>
-                <a:off x="7640260" y="0"/>
-                <a:ext cx="1710058" cy="826240"/>
-              </a:xfrm>
-              <a:prstGeom prst="rect">
-                <a:avLst/>
-              </a:prstGeom>
-            </p:spPr>
-          </p:pic>
-        </p:grpSp>
+            <a:prstGeom prst="rect">
+              <a:avLst/>
+            </a:prstGeom>
+          </p:spPr>
+        </p:pic>
       </p:grpSp>
     </p:spTree>
     <p:extLst>
